--- a/001note/scrum practice/What is a good user story.pptx
+++ b/001note/scrum practice/What is a good user story.pptx
@@ -213,7 +213,7 @@
             <a:fld id="{DFAA859F-069D-4AFF-B6AC-7F7993254BC5}" type="datetimeFigureOut">
               <a:rPr lang="zh-CN" altLang="en-US" smtClean="0"/>
               <a:pPr/>
-              <a:t>2018/3/17</a:t>
+              <a:t>2018/3/20</a:t>
             </a:fld>
             <a:endParaRPr lang="zh-CN" altLang="en-US"/>
           </a:p>
@@ -375,7 +375,7 @@
             <a:fld id="{85FBB0D3-E322-4D68-9C4A-7ED0A2DEDDD4}" type="datetimeFigureOut">
               <a:rPr lang="zh-CN" altLang="en-US" smtClean="0"/>
               <a:pPr/>
-              <a:t>2018/3/17</a:t>
+              <a:t>2018/3/20</a:t>
             </a:fld>
             <a:endParaRPr lang="zh-CN" altLang="en-US"/>
           </a:p>
@@ -1750,6 +1750,107 @@
 </p:notes>
 </file>
 
+<file path=ppt/notesSlides/notesSlide8.xml><?xml version="1.0" encoding="utf-8"?>
+<p:notes xmlns:a="http://schemas.openxmlformats.org/drawingml/2006/main" xmlns:r="http://schemas.openxmlformats.org/officeDocument/2006/relationships" xmlns:p="http://schemas.openxmlformats.org/presentationml/2006/main">
+  <p:cSld>
+    <p:spTree>
+      <p:nvGrpSpPr>
+        <p:cNvPr id="1" name=""/>
+        <p:cNvGrpSpPr/>
+        <p:nvPr/>
+      </p:nvGrpSpPr>
+      <p:grpSpPr>
+        <a:xfrm>
+          <a:off x="0" y="0"/>
+          <a:ext cx="0" cy="0"/>
+          <a:chOff x="0" y="0"/>
+          <a:chExt cx="0" cy="0"/>
+        </a:xfrm>
+      </p:grpSpPr>
+      <p:sp>
+        <p:nvSpPr>
+          <p:cNvPr id="2" name="幻灯片图像占位符 1"/>
+          <p:cNvSpPr>
+            <a:spLocks noGrp="1" noRot="1" noChangeAspect="1"/>
+          </p:cNvSpPr>
+          <p:nvPr>
+            <p:ph type="sldImg"/>
+          </p:nvPr>
+        </p:nvSpPr>
+        <p:spPr/>
+      </p:sp>
+      <p:sp>
+        <p:nvSpPr>
+          <p:cNvPr id="3" name="备注占位符 2"/>
+          <p:cNvSpPr>
+            <a:spLocks noGrp="1"/>
+          </p:cNvSpPr>
+          <p:nvPr>
+            <p:ph type="body" idx="1"/>
+          </p:nvPr>
+        </p:nvSpPr>
+        <p:spPr/>
+        <p:txBody>
+          <a:bodyPr>
+            <a:normAutofit/>
+          </a:bodyPr>
+          <a:lstStyle/>
+          <a:p>
+            <a:r>
+              <a:rPr lang="zh-CN" altLang="en-US" dirty="0" smtClean="0"/>
+              <a:t>“迁移到新版</a:t>
+            </a:r>
+            <a:r>
+              <a:rPr lang="en-US" altLang="zh-CN" dirty="0" smtClean="0"/>
+              <a:t>Oracle</a:t>
+            </a:r>
+            <a:r>
+              <a:rPr lang="zh-CN" altLang="en-US" dirty="0" smtClean="0"/>
+              <a:t>”：产品负责人可能一开始并不理解为什么改变数据库是有价值的。然而，一旦团队解释清楚在无支持数据库版本上继续开发的风险，产品负责人获取就会决定值得推迟构建某些新特性等到数据库迁移完毕再开发。理解价值之后，产品负责人就可以像看待其他故事并在此基础上进行取舍。最后这个技术故事被纳入产品列表。</a:t>
+            </a:r>
+            <a:endParaRPr lang="en-US" altLang="zh-CN" dirty="0" smtClean="0"/>
+          </a:p>
+          <a:p>
+            <a:r>
+              <a:rPr lang="zh-CN" altLang="en-US" dirty="0" smtClean="0"/>
+              <a:t>“自动构建”：这类故事应该属于完成业务价值故事所涉及的任务。如果开发团队的完成定义比较严，就没有必要写这些故事，因为完成已经隐含这些工作。</a:t>
+            </a:r>
+            <a:endParaRPr lang="zh-CN" altLang="en-US" dirty="0"/>
+          </a:p>
+        </p:txBody>
+      </p:sp>
+      <p:sp>
+        <p:nvSpPr>
+          <p:cNvPr id="4" name="灯片编号占位符 3"/>
+          <p:cNvSpPr>
+            <a:spLocks noGrp="1"/>
+          </p:cNvSpPr>
+          <p:nvPr>
+            <p:ph type="sldNum" sz="quarter" idx="10"/>
+          </p:nvPr>
+        </p:nvSpPr>
+        <p:spPr/>
+        <p:txBody>
+          <a:bodyPr/>
+          <a:lstStyle/>
+          <a:p>
+            <a:fld id="{FAF7A305-2C32-4D40-AAD0-92A013DE7D1E}" type="slidenum">
+              <a:rPr lang="zh-CN" altLang="en-US" smtClean="0"/>
+              <a:pPr/>
+              <a:t>11</a:t>
+            </a:fld>
+            <a:endParaRPr lang="zh-CN" altLang="en-US"/>
+          </a:p>
+        </p:txBody>
+      </p:sp>
+    </p:spTree>
+  </p:cSld>
+  <p:clrMapOvr>
+    <a:masterClrMapping/>
+  </p:clrMapOvr>
+</p:notes>
+</file>
+
 <file path=ppt/slideLayouts/slideLayout1.xml><?xml version="1.0" encoding="utf-8"?>
 <p:sldLayout xmlns:a="http://schemas.openxmlformats.org/drawingml/2006/main" xmlns:r="http://schemas.openxmlformats.org/officeDocument/2006/relationships" xmlns:p="http://schemas.openxmlformats.org/presentationml/2006/main" showMasterSp="0" type="title" preserve="1">
   <p:cSld name="标题幻灯片">
@@ -1945,7 +2046,7 @@
             <a:fld id="{530820CF-B880-4189-942D-D702A7CBA730}" type="datetimeFigureOut">
               <a:rPr lang="zh-CN" altLang="en-US" smtClean="0"/>
               <a:pPr/>
-              <a:t>2018/3/17</a:t>
+              <a:t>2018/3/20</a:t>
             </a:fld>
             <a:endParaRPr lang="zh-CN" altLang="en-US"/>
           </a:p>
@@ -2300,7 +2401,7 @@
             <a:fld id="{530820CF-B880-4189-942D-D702A7CBA730}" type="datetimeFigureOut">
               <a:rPr lang="zh-CN" altLang="en-US" smtClean="0"/>
               <a:pPr/>
-              <a:t>2018/3/17</a:t>
+              <a:t>2018/3/20</a:t>
             </a:fld>
             <a:endParaRPr lang="zh-CN" altLang="en-US"/>
           </a:p>
@@ -2477,7 +2578,7 @@
             <a:fld id="{530820CF-B880-4189-942D-D702A7CBA730}" type="datetimeFigureOut">
               <a:rPr lang="zh-CN" altLang="en-US" smtClean="0"/>
               <a:pPr/>
-              <a:t>2018/3/17</a:t>
+              <a:t>2018/3/20</a:t>
             </a:fld>
             <a:endParaRPr lang="zh-CN" altLang="en-US"/>
           </a:p>
@@ -2592,7 +2693,7 @@
             <a:fld id="{530820CF-B880-4189-942D-D702A7CBA730}" type="datetimeFigureOut">
               <a:rPr lang="zh-CN" altLang="en-US" smtClean="0"/>
               <a:pPr/>
-              <a:t>2018/3/17</a:t>
+              <a:t>2018/3/20</a:t>
             </a:fld>
             <a:endParaRPr lang="zh-CN" altLang="en-US"/>
           </a:p>
@@ -2952,7 +3053,7 @@
             <a:fld id="{530820CF-B880-4189-942D-D702A7CBA730}" type="datetimeFigureOut">
               <a:rPr lang="zh-CN" altLang="en-US" smtClean="0"/>
               <a:pPr/>
-              <a:t>2018/3/17</a:t>
+              <a:t>2018/3/20</a:t>
             </a:fld>
             <a:endParaRPr lang="zh-CN" altLang="en-US"/>
           </a:p>
@@ -3219,7 +3320,7 @@
             <a:fld id="{530820CF-B880-4189-942D-D702A7CBA730}" type="datetimeFigureOut">
               <a:rPr lang="zh-CN" altLang="en-US" smtClean="0"/>
               <a:pPr/>
-              <a:t>2018/3/17</a:t>
+              <a:t>2018/3/20</a:t>
             </a:fld>
             <a:endParaRPr lang="zh-CN" altLang="en-US"/>
           </a:p>
@@ -3583,7 +3684,7 @@
             <a:fld id="{530820CF-B880-4189-942D-D702A7CBA730}" type="datetimeFigureOut">
               <a:rPr lang="zh-CN" altLang="en-US" smtClean="0"/>
               <a:pPr/>
-              <a:t>2018/3/17</a:t>
+              <a:t>2018/3/20</a:t>
             </a:fld>
             <a:endParaRPr lang="zh-CN" altLang="en-US"/>
           </a:p>
@@ -3812,7 +3913,7 @@
             <a:fld id="{530820CF-B880-4189-942D-D702A7CBA730}" type="datetimeFigureOut">
               <a:rPr lang="zh-CN" altLang="en-US" smtClean="0"/>
               <a:pPr/>
-              <a:t>2018/3/17</a:t>
+              <a:t>2018/3/20</a:t>
             </a:fld>
             <a:endParaRPr lang="zh-CN" altLang="en-US"/>
           </a:p>
@@ -3904,7 +4005,7 @@
             <a:fld id="{530820CF-B880-4189-942D-D702A7CBA730}" type="datetimeFigureOut">
               <a:rPr lang="zh-CN" altLang="en-US" smtClean="0"/>
               <a:pPr/>
-              <a:t>2018/3/17</a:t>
+              <a:t>2018/3/20</a:t>
             </a:fld>
             <a:endParaRPr lang="zh-CN" altLang="en-US"/>
           </a:p>
@@ -4173,7 +4274,7 @@
             <a:fld id="{530820CF-B880-4189-942D-D702A7CBA730}" type="datetimeFigureOut">
               <a:rPr lang="zh-CN" altLang="en-US" smtClean="0"/>
               <a:pPr/>
-              <a:t>2018/3/17</a:t>
+              <a:t>2018/3/20</a:t>
             </a:fld>
             <a:endParaRPr lang="zh-CN" altLang="en-US"/>
           </a:p>
@@ -4403,7 +4504,7 @@
             <a:fld id="{530820CF-B880-4189-942D-D702A7CBA730}" type="datetimeFigureOut">
               <a:rPr lang="zh-CN" altLang="en-US" smtClean="0"/>
               <a:pPr/>
-              <a:t>2018/3/17</a:t>
+              <a:t>2018/3/20</a:t>
             </a:fld>
             <a:endParaRPr lang="zh-CN" altLang="en-US"/>
           </a:p>
@@ -4904,7 +5005,7 @@
             <a:fld id="{530820CF-B880-4189-942D-D702A7CBA730}" type="datetimeFigureOut">
               <a:rPr lang="zh-CN" altLang="en-US" smtClean="0"/>
               <a:pPr/>
-              <a:t>2018/3/17</a:t>
+              <a:t>2018/3/20</a:t>
             </a:fld>
             <a:endParaRPr lang="zh-CN" altLang="en-US"/>
           </a:p>
@@ -5426,11 +5527,7 @@
             </a:r>
             <a:r>
               <a:rPr lang="en-US" altLang="zh-CN" dirty="0" smtClean="0"/>
-              <a:t>——</a:t>
-            </a:r>
-            <a:r>
-              <a:rPr lang="en-US" altLang="zh-CN" dirty="0" smtClean="0"/>
-              <a:t> </a:t>
+              <a:t>—— </a:t>
             </a:r>
             <a:r>
               <a:rPr lang="zh-CN" altLang="en-US" dirty="0" smtClean="0"/>
@@ -5579,15 +5676,152 @@
             <p:ph sz="quarter" idx="1"/>
           </p:nvPr>
         </p:nvSpPr>
-        <p:spPr/>
-        <p:txBody>
-          <a:bodyPr/>
-          <a:lstStyle/>
-          <a:p>
-            <a:endParaRPr lang="zh-CN" altLang="en-US"/>
-          </a:p>
-        </p:txBody>
-      </p:sp>
+        <p:spPr>
+          <a:xfrm>
+            <a:off x="214282" y="1142984"/>
+            <a:ext cx="8715436" cy="5715016"/>
+          </a:xfrm>
+        </p:spPr>
+        <p:txBody>
+          <a:bodyPr>
+            <a:normAutofit/>
+          </a:bodyPr>
+          <a:lstStyle/>
+          <a:p>
+            <a:r>
+              <a:rPr lang="zh-CN" altLang="en-US" sz="1800" dirty="0" smtClean="0"/>
+              <a:t>对客户、用户或者两者来说，故事要有价值。客户选择并支付产品。用户实际使用产品。如果某个故事对他们来说没有价值，就不应被纳入产品列表。</a:t>
+            </a:r>
+            <a:endParaRPr lang="en-US" altLang="zh-CN" sz="1800" dirty="0" smtClean="0"/>
+          </a:p>
+          <a:p>
+            <a:pPr marL="342900" indent="-342900"/>
+            <a:r>
+              <a:rPr lang="zh-CN" altLang="en-US" sz="1800" dirty="0" smtClean="0"/>
+              <a:t>如果对开发人员有价值但是对客户或者用户却没有明显价值的故事，又该怎么办？技术故事的根本问题在于，产品负责人可能无法感受到它的价值。更不可能比较它和业务价值的故事谁先谁后，即使能够做到，也很困难。产品负责人应该理解他为什么要为技术故事买单以及最终可交付哪些价值，之后可以接纳技术故事并让它存在。</a:t>
+            </a:r>
+            <a:endParaRPr lang="en-US" altLang="zh-CN" sz="1800" dirty="0" smtClean="0"/>
+          </a:p>
+          <a:p>
+            <a:pPr marL="342900" indent="-342900"/>
+            <a:r>
+              <a:rPr lang="zh-CN" altLang="en-US" sz="1800" dirty="0" smtClean="0"/>
+              <a:t>有价值标准的关键在于，列表中所有故事都必须由产品负责人以客户与用户代言人的身份认可它们的价值。不是所有的故事都是独立的，也不是所有的故事都是完全可协商的，但它们必须都是有价值的。</a:t>
+            </a:r>
+            <a:endParaRPr lang="en-US" altLang="zh-CN" sz="1800" dirty="0" smtClean="0"/>
+          </a:p>
+          <a:p>
+            <a:pPr marL="342900" indent="-342900"/>
+            <a:endParaRPr lang="en-US" altLang="zh-CN" sz="1800" dirty="0" smtClean="0"/>
+          </a:p>
+          <a:p>
+            <a:pPr marL="342900" indent="-342900"/>
+            <a:endParaRPr lang="en-US" altLang="zh-CN" sz="1800" dirty="0" smtClean="0"/>
+          </a:p>
+          <a:p>
+            <a:pPr marL="342900" indent="-342900"/>
+            <a:endParaRPr lang="en-US" altLang="zh-CN" sz="1800" dirty="0" smtClean="0"/>
+          </a:p>
+          <a:p>
+            <a:pPr marL="342900" indent="-342900"/>
+            <a:endParaRPr lang="en-US" altLang="zh-CN" sz="1800" dirty="0" smtClean="0"/>
+          </a:p>
+          <a:p>
+            <a:pPr marL="342900" indent="-342900"/>
+            <a:endParaRPr lang="en-US" altLang="zh-CN" sz="1800" dirty="0" smtClean="0"/>
+          </a:p>
+          <a:p>
+            <a:pPr marL="342900" indent="-342900"/>
+            <a:endParaRPr lang="en-US" altLang="zh-CN" sz="1800" dirty="0" smtClean="0"/>
+          </a:p>
+          <a:p>
+            <a:pPr marL="342900" indent="-342900"/>
+            <a:r>
+              <a:rPr lang="en-US" altLang="zh-CN" sz="1800" dirty="0" smtClean="0"/>
+              <a:t> </a:t>
+            </a:r>
+            <a:r>
+              <a:rPr lang="en-US" altLang="zh-CN" sz="1800" dirty="0" smtClean="0"/>
+              <a:t>                       </a:t>
+            </a:r>
+            <a:r>
+              <a:rPr lang="zh-CN" altLang="en-US" sz="1800" dirty="0" smtClean="0"/>
+              <a:t>技术故事示例                                                   不可取的技术故事</a:t>
+            </a:r>
+            <a:endParaRPr lang="zh-CN" altLang="en-US" sz="1800" dirty="0"/>
+          </a:p>
+        </p:txBody>
+      </p:sp>
+      <p:pic>
+        <p:nvPicPr>
+          <p:cNvPr id="1026" name="Picture 2"/>
+          <p:cNvPicPr>
+            <a:picLocks noChangeAspect="1" noChangeArrowheads="1"/>
+          </p:cNvPicPr>
+          <p:nvPr/>
+        </p:nvPicPr>
+        <p:blipFill>
+          <a:blip r:embed="rId3"/>
+          <a:srcRect/>
+          <a:stretch>
+            <a:fillRect/>
+          </a:stretch>
+        </p:blipFill>
+        <p:spPr bwMode="auto">
+          <a:xfrm>
+            <a:off x="1214414" y="4214818"/>
+            <a:ext cx="3190875" cy="1971675"/>
+          </a:xfrm>
+          <a:prstGeom prst="rect">
+            <a:avLst/>
+          </a:prstGeom>
+          <a:noFill/>
+          <a:ln w="9525">
+            <a:solidFill>
+              <a:schemeClr val="tx1"/>
+            </a:solidFill>
+            <a:miter lim="800000"/>
+            <a:headEnd/>
+            <a:tailEnd/>
+          </a:ln>
+          <a:effectLst/>
+        </p:spPr>
+      </p:pic>
+      <p:pic>
+        <p:nvPicPr>
+          <p:cNvPr id="1027" name="Picture 3"/>
+          <p:cNvPicPr>
+            <a:picLocks noChangeAspect="1" noChangeArrowheads="1"/>
+          </p:cNvPicPr>
+          <p:nvPr/>
+        </p:nvPicPr>
+        <p:blipFill>
+          <a:blip r:embed="rId4"/>
+          <a:srcRect/>
+          <a:stretch>
+            <a:fillRect/>
+          </a:stretch>
+        </p:blipFill>
+        <p:spPr bwMode="auto">
+          <a:xfrm>
+            <a:off x="4929190" y="4214818"/>
+            <a:ext cx="3190875" cy="1971675"/>
+          </a:xfrm>
+          <a:prstGeom prst="rect">
+            <a:avLst/>
+          </a:prstGeom>
+          <a:noFill/>
+          <a:ln w="9525">
+            <a:solidFill>
+              <a:schemeClr val="tx1"/>
+            </a:solidFill>
+            <a:miter lim="800000"/>
+            <a:headEnd/>
+            <a:tailEnd/>
+          </a:ln>
+          <a:effectLst/>
+        </p:spPr>
+      </p:pic>
     </p:spTree>
   </p:cSld>
   <p:clrMapOvr>
@@ -5655,32 +5889,115 @@
             </a:r>
             <a:r>
               <a:rPr lang="zh-CN" altLang="en-US" dirty="0" smtClean="0"/>
-              <a:t>可</a:t>
-            </a:r>
+              <a:t>可估算</a:t>
+            </a:r>
+            <a:endParaRPr lang="zh-CN" altLang="en-US" dirty="0"/>
+          </a:p>
+        </p:txBody>
+      </p:sp>
+      <p:sp>
+        <p:nvSpPr>
+          <p:cNvPr id="3" name="内容占位符 2"/>
+          <p:cNvSpPr>
+            <a:spLocks noGrp="1"/>
+          </p:cNvSpPr>
+          <p:nvPr>
+            <p:ph sz="quarter" idx="1"/>
+          </p:nvPr>
+        </p:nvSpPr>
+        <p:spPr>
+          <a:xfrm>
+            <a:off x="285720" y="1142984"/>
+            <a:ext cx="8715436" cy="5429288"/>
+          </a:xfrm>
+        </p:spPr>
+        <p:txBody>
+          <a:bodyPr/>
+          <a:lstStyle/>
+          <a:p>
             <a:r>
               <a:rPr lang="zh-CN" altLang="en-US" dirty="0" smtClean="0"/>
-              <a:t>估算</a:t>
+              <a:t>估算指明故事的大小，因此也指明故事的工作量和成本。</a:t>
+            </a:r>
+            <a:endParaRPr lang="en-US" altLang="zh-CN" dirty="0" smtClean="0"/>
+          </a:p>
+          <a:p>
+            <a:r>
+              <a:rPr lang="zh-CN" altLang="en-US" dirty="0" smtClean="0"/>
+              <a:t>知道故事大小之后，</a:t>
+            </a:r>
+            <a:r>
+              <a:rPr lang="en-US" altLang="zh-CN" dirty="0" smtClean="0"/>
+              <a:t>Scrum</a:t>
+            </a:r>
+            <a:r>
+              <a:rPr lang="zh-CN" altLang="en-US" dirty="0" smtClean="0"/>
+              <a:t>团队就有了采取行动所需要的依据。例如，产品负责人知道故事成本之后才能最终确定它在产品列表中的</a:t>
+            </a:r>
+            <a:r>
+              <a:rPr lang="zh-CN" altLang="en-US" dirty="0" smtClean="0">
+                <a:solidFill>
+                  <a:srgbClr val="FF0000"/>
+                </a:solidFill>
+              </a:rPr>
+              <a:t>优先级</a:t>
+            </a:r>
+            <a:r>
+              <a:rPr lang="zh-CN" altLang="en-US" dirty="0" smtClean="0"/>
+              <a:t>。另一方面，</a:t>
+            </a:r>
+            <a:r>
+              <a:rPr lang="en-US" altLang="zh-CN" dirty="0" smtClean="0"/>
+              <a:t>Scrum</a:t>
+            </a:r>
+            <a:r>
+              <a:rPr lang="zh-CN" altLang="en-US" dirty="0" smtClean="0"/>
+              <a:t>团队也可以根据故事的大小确定是否还需要进一步</a:t>
+            </a:r>
+            <a:r>
+              <a:rPr lang="zh-CN" altLang="en-US" dirty="0" smtClean="0">
+                <a:solidFill>
+                  <a:srgbClr val="FF0000"/>
+                </a:solidFill>
+              </a:rPr>
+              <a:t>细化或分解计划</a:t>
+            </a:r>
+            <a:r>
+              <a:rPr lang="zh-CN" altLang="en-US" dirty="0" smtClean="0"/>
+              <a:t>马上开工的大故事需要先分解成一组更小的故事。</a:t>
+            </a:r>
+            <a:endParaRPr lang="en-US" altLang="zh-CN" dirty="0" smtClean="0"/>
+          </a:p>
+          <a:p>
+            <a:r>
+              <a:rPr lang="zh-CN" altLang="en-US" dirty="0" smtClean="0"/>
+              <a:t>如果团队无法衡量故事的大小，原因不外乎两个：这个故事</a:t>
+            </a:r>
+            <a:r>
+              <a:rPr lang="zh-CN" altLang="en-US" dirty="0" smtClean="0">
+                <a:solidFill>
+                  <a:srgbClr val="FF0000"/>
+                </a:solidFill>
+              </a:rPr>
+              <a:t>太大或太模糊</a:t>
+            </a:r>
+            <a:r>
+              <a:rPr lang="zh-CN" altLang="en-US" dirty="0" smtClean="0"/>
+              <a:t>以至于估不出来；团队积累的</a:t>
+            </a:r>
+            <a:r>
+              <a:rPr lang="zh-CN" altLang="en-US" dirty="0" smtClean="0">
+                <a:solidFill>
+                  <a:srgbClr val="FF0000"/>
+                </a:solidFill>
+              </a:rPr>
+              <a:t>知识还不够多</a:t>
+            </a:r>
+            <a:r>
+              <a:rPr lang="zh-CN" altLang="en-US" dirty="0" smtClean="0"/>
+              <a:t>，所以估不出来。如果是故事太大，团队就得与产品负责人一起，把它拆成更容易管理的故事。如果是团队缺少知识，就需要通过某些形式的探索活动来获取信息。</a:t>
             </a:r>
             <a:endParaRPr lang="zh-CN" altLang="en-US" dirty="0"/>
-          </a:p>
-        </p:txBody>
-      </p:sp>
-      <p:sp>
-        <p:nvSpPr>
-          <p:cNvPr id="3" name="内容占位符 2"/>
-          <p:cNvSpPr>
-            <a:spLocks noGrp="1"/>
-          </p:cNvSpPr>
-          <p:nvPr>
-            <p:ph sz="quarter" idx="1"/>
-          </p:nvPr>
-        </p:nvSpPr>
-        <p:spPr/>
-        <p:txBody>
-          <a:bodyPr/>
-          <a:lstStyle/>
-          <a:p>
-            <a:endParaRPr lang="zh-CN" altLang="en-US"/>
           </a:p>
         </p:txBody>
       </p:sp>
@@ -5753,11 +6070,7 @@
             </a:r>
             <a:r>
               <a:rPr lang="zh-CN" altLang="en-US" sz="2800" dirty="0" smtClean="0"/>
-              <a:t>小</a:t>
-            </a:r>
-            <a:r>
-              <a:rPr lang="zh-CN" altLang="en-US" sz="2800" dirty="0" smtClean="0"/>
-              <a:t>（</a:t>
+              <a:t>小（</a:t>
             </a:r>
             <a:r>
               <a:rPr lang="en-US" altLang="zh-CN" sz="2800" dirty="0" smtClean="0">
@@ -5785,12 +6098,58 @@
             <p:ph sz="quarter" idx="1"/>
           </p:nvPr>
         </p:nvSpPr>
-        <p:spPr/>
-        <p:txBody>
-          <a:bodyPr/>
-          <a:lstStyle/>
-          <a:p>
-            <a:endParaRPr lang="zh-CN" altLang="en-US"/>
+        <p:spPr>
+          <a:xfrm>
+            <a:off x="642910" y="1142984"/>
+            <a:ext cx="8043890" cy="4876816"/>
+          </a:xfrm>
+        </p:spPr>
+        <p:txBody>
+          <a:bodyPr>
+            <a:normAutofit fontScale="92500"/>
+          </a:bodyPr>
+          <a:lstStyle/>
+          <a:p>
+            <a:r>
+              <a:rPr lang="zh-CN" altLang="en-US" dirty="0" smtClean="0">
+                <a:solidFill>
+                  <a:srgbClr val="FF0000"/>
+                </a:solidFill>
+              </a:rPr>
+              <a:t>冲刺中正在做的故事应该足够小。</a:t>
+            </a:r>
+            <a:r>
+              <a:rPr lang="zh-CN" altLang="en-US" dirty="0" smtClean="0"/>
+              <a:t>如果是长达好几周的冲刺，我们就想可以完成好几个几天之内就能做完的故事。如果是两周的冲刺，我们可不想拿到两周那么大的故事，因为完不成这个故事的风险实在是太高了。</a:t>
+            </a:r>
+            <a:endParaRPr lang="en-US" altLang="zh-CN" dirty="0" smtClean="0"/>
+          </a:p>
+          <a:p>
+            <a:r>
+              <a:rPr lang="zh-CN" altLang="en-US" dirty="0" smtClean="0">
+                <a:solidFill>
+                  <a:srgbClr val="FF0000"/>
+                </a:solidFill>
+              </a:rPr>
+              <a:t>归根到底，我们需要小的故事，但这也并不是说故事大就不对。</a:t>
+            </a:r>
+            <a:r>
+              <a:rPr lang="zh-CN" altLang="en-US" dirty="0" smtClean="0"/>
+              <a:t>比如，我们有一个史诗故事，但我们不打算今年就做掉它。除非已经计划做这个故事，否则它肯定就是大小合适的。事实上，如果我们现在就花时间把它拆成一堆更小的故事，很可能就是白白浪费时间。当然，如果是我们想在下一个冲刺做掉的某个史诗，那它就不是大小合适的了，我们需要做更多工作把它变小。</a:t>
+            </a:r>
+            <a:r>
+              <a:rPr lang="zh-CN" altLang="en-US" dirty="0" smtClean="0">
+                <a:solidFill>
+                  <a:srgbClr val="FF0000"/>
+                </a:solidFill>
+              </a:rPr>
+              <a:t>在应用此标准时候，必须考虑开始做这个故事的时间点。</a:t>
+            </a:r>
+            <a:endParaRPr lang="zh-CN" altLang="en-US" dirty="0">
+              <a:solidFill>
+                <a:srgbClr val="FF0000"/>
+              </a:solidFill>
+            </a:endParaRPr>
           </a:p>
         </p:txBody>
       </p:sp>
@@ -5861,32 +6220,68 @@
             </a:r>
             <a:r>
               <a:rPr lang="zh-CN" altLang="en-US" dirty="0" smtClean="0"/>
-              <a:t>可</a:t>
-            </a:r>
+              <a:t>可测试</a:t>
+            </a:r>
+            <a:endParaRPr lang="zh-CN" altLang="en-US" dirty="0"/>
+          </a:p>
+        </p:txBody>
+      </p:sp>
+      <p:sp>
+        <p:nvSpPr>
+          <p:cNvPr id="3" name="内容占位符 2"/>
+          <p:cNvSpPr>
+            <a:spLocks noGrp="1"/>
+          </p:cNvSpPr>
+          <p:nvPr>
+            <p:ph sz="quarter" idx="1"/>
+          </p:nvPr>
+        </p:nvSpPr>
+        <p:spPr>
+          <a:xfrm>
+            <a:off x="500034" y="1285860"/>
+            <a:ext cx="8186766" cy="4733940"/>
+          </a:xfrm>
+        </p:spPr>
+        <p:txBody>
+          <a:bodyPr>
+            <a:normAutofit fontScale="85000" lnSpcReduction="10000"/>
+          </a:bodyPr>
+          <a:lstStyle/>
+          <a:p>
             <a:r>
               <a:rPr lang="zh-CN" altLang="en-US" dirty="0" smtClean="0"/>
-              <a:t>测试</a:t>
+              <a:t>故事的相关测试要么通过，要么失败。“可测试”意味着故事要有相应的优质接收标准（与满意条件有关），即之前介绍过的故事的“确认”。</a:t>
+            </a:r>
+            <a:endParaRPr lang="en-US" altLang="zh-CN" dirty="0" smtClean="0"/>
+          </a:p>
+          <a:p>
+            <a:r>
+              <a:rPr lang="zh-CN" altLang="en-US" dirty="0" smtClean="0"/>
+              <a:t>要是没有可测试的标准，冲刺结束时我们怎么知道故事有没有做完呢？另外，因为这些测试往往提供重要的故事细节，所以团队很可能需要这些测试来估算故事的大小。</a:t>
+            </a:r>
+            <a:endParaRPr lang="en-US" altLang="zh-CN" dirty="0" smtClean="0"/>
+          </a:p>
+          <a:p>
+            <a:r>
+              <a:rPr lang="zh-CN" altLang="en-US" dirty="0" smtClean="0"/>
+              <a:t>故事可能并不总是需要测试的，也不总是能够测试的。例如，史诗大小的故事可能就没有而且也不需要有相应的测试。</a:t>
+            </a:r>
+            <a:endParaRPr lang="en-US" altLang="zh-CN" dirty="0" smtClean="0"/>
+          </a:p>
+          <a:p>
+            <a:r>
+              <a:rPr lang="zh-CN" altLang="en-US" dirty="0" smtClean="0"/>
+              <a:t>另外，偶尔也可能是产品负责人认为某个故事很有价值，却缺乏有效的方法进行测试。非功能性需求往往存在这种情况，比如说“作为一名用户，我想要系统达到</a:t>
+            </a:r>
+            <a:r>
+              <a:rPr lang="en-US" altLang="zh-CN" dirty="0" smtClean="0"/>
+              <a:t>99.999%</a:t>
+            </a:r>
+            <a:r>
+              <a:rPr lang="zh-CN" altLang="en-US" smtClean="0"/>
+              <a:t>的正常运行时间。”尽管接收标准很清晰，想证明系统上线后已经达到该程度正常运行时间的时候，却很有可能没有这样的一套测试可运行，但这个需求仍然是有价值的，因为它能够为设计指明方向。</a:t>
             </a:r>
             <a:endParaRPr lang="zh-CN" altLang="en-US" dirty="0"/>
-          </a:p>
-        </p:txBody>
-      </p:sp>
-      <p:sp>
-        <p:nvSpPr>
-          <p:cNvPr id="3" name="内容占位符 2"/>
-          <p:cNvSpPr>
-            <a:spLocks noGrp="1"/>
-          </p:cNvSpPr>
-          <p:nvPr>
-            <p:ph sz="quarter" idx="1"/>
-          </p:nvPr>
-        </p:nvSpPr>
-        <p:spPr/>
-        <p:txBody>
-          <a:bodyPr/>
-          <a:lstStyle/>
-          <a:p>
-            <a:endParaRPr lang="zh-CN" altLang="en-US"/>
           </a:p>
         </p:txBody>
       </p:sp>

--- a/001note/scrum practice/What is a good user story.pptx
+++ b/001note/scrum practice/What is a good user story.pptx
@@ -213,7 +213,7 @@
             <a:fld id="{DFAA859F-069D-4AFF-B6AC-7F7993254BC5}" type="datetimeFigureOut">
               <a:rPr lang="zh-CN" altLang="en-US" smtClean="0"/>
               <a:pPr/>
-              <a:t>2018/3/20</a:t>
+              <a:t>2018/3/21</a:t>
             </a:fld>
             <a:endParaRPr lang="zh-CN" altLang="en-US"/>
           </a:p>
@@ -375,7 +375,7 @@
             <a:fld id="{85FBB0D3-E322-4D68-9C4A-7ED0A2DEDDD4}" type="datetimeFigureOut">
               <a:rPr lang="zh-CN" altLang="en-US" smtClean="0"/>
               <a:pPr/>
-              <a:t>2018/3/20</a:t>
+              <a:t>2018/3/21</a:t>
             </a:fld>
             <a:endParaRPr lang="zh-CN" altLang="en-US"/>
           </a:p>
@@ -1851,6 +1851,92 @@
 </p:notes>
 </file>
 
+<file path=ppt/notesSlides/notesSlide9.xml><?xml version="1.0" encoding="utf-8"?>
+<p:notes xmlns:a="http://schemas.openxmlformats.org/drawingml/2006/main" xmlns:r="http://schemas.openxmlformats.org/officeDocument/2006/relationships" xmlns:p="http://schemas.openxmlformats.org/presentationml/2006/main">
+  <p:cSld>
+    <p:spTree>
+      <p:nvGrpSpPr>
+        <p:cNvPr id="1" name=""/>
+        <p:cNvGrpSpPr/>
+        <p:nvPr/>
+      </p:nvGrpSpPr>
+      <p:grpSpPr>
+        <a:xfrm>
+          <a:off x="0" y="0"/>
+          <a:ext cx="0" cy="0"/>
+          <a:chOff x="0" y="0"/>
+          <a:chExt cx="0" cy="0"/>
+        </a:xfrm>
+      </p:grpSpPr>
+      <p:sp>
+        <p:nvSpPr>
+          <p:cNvPr id="2" name="幻灯片图像占位符 1"/>
+          <p:cNvSpPr>
+            <a:spLocks noGrp="1" noRot="1" noChangeAspect="1"/>
+          </p:cNvSpPr>
+          <p:nvPr>
+            <p:ph type="sldImg"/>
+          </p:nvPr>
+        </p:nvSpPr>
+        <p:spPr/>
+      </p:sp>
+      <p:sp>
+        <p:nvSpPr>
+          <p:cNvPr id="3" name="备注占位符 2"/>
+          <p:cNvSpPr>
+            <a:spLocks noGrp="1"/>
+          </p:cNvSpPr>
+          <p:nvPr>
+            <p:ph type="body" idx="1"/>
+          </p:nvPr>
+        </p:nvSpPr>
+        <p:spPr/>
+        <p:txBody>
+          <a:bodyPr>
+            <a:normAutofit/>
+          </a:bodyPr>
+          <a:lstStyle/>
+          <a:p>
+            <a:r>
+              <a:rPr lang="zh-CN" altLang="en-US" dirty="0" smtClean="0"/>
+              <a:t>用经济学来证明知识获取型故事的最终诠释。按部就班测试两个方案，和“快速失败策略”看看哪个更经济。</a:t>
+            </a:r>
+            <a:endParaRPr lang="zh-CN" altLang="en-US" dirty="0"/>
+          </a:p>
+        </p:txBody>
+      </p:sp>
+      <p:sp>
+        <p:nvSpPr>
+          <p:cNvPr id="4" name="灯片编号占位符 3"/>
+          <p:cNvSpPr>
+            <a:spLocks noGrp="1"/>
+          </p:cNvSpPr>
+          <p:nvPr>
+            <p:ph type="sldNum" sz="quarter" idx="10"/>
+          </p:nvPr>
+        </p:nvSpPr>
+        <p:spPr/>
+        <p:txBody>
+          <a:bodyPr/>
+          <a:lstStyle/>
+          <a:p>
+            <a:fld id="{FAF7A305-2C32-4D40-AAD0-92A013DE7D1E}" type="slidenum">
+              <a:rPr lang="zh-CN" altLang="en-US" smtClean="0"/>
+              <a:pPr/>
+              <a:t>16</a:t>
+            </a:fld>
+            <a:endParaRPr lang="zh-CN" altLang="en-US"/>
+          </a:p>
+        </p:txBody>
+      </p:sp>
+    </p:spTree>
+  </p:cSld>
+  <p:clrMapOvr>
+    <a:masterClrMapping/>
+  </p:clrMapOvr>
+</p:notes>
+</file>
+
 <file path=ppt/slideLayouts/slideLayout1.xml><?xml version="1.0" encoding="utf-8"?>
 <p:sldLayout xmlns:a="http://schemas.openxmlformats.org/drawingml/2006/main" xmlns:r="http://schemas.openxmlformats.org/officeDocument/2006/relationships" xmlns:p="http://schemas.openxmlformats.org/presentationml/2006/main" showMasterSp="0" type="title" preserve="1">
   <p:cSld name="标题幻灯片">
@@ -2046,7 +2132,7 @@
             <a:fld id="{530820CF-B880-4189-942D-D702A7CBA730}" type="datetimeFigureOut">
               <a:rPr lang="zh-CN" altLang="en-US" smtClean="0"/>
               <a:pPr/>
-              <a:t>2018/3/20</a:t>
+              <a:t>2018/3/21</a:t>
             </a:fld>
             <a:endParaRPr lang="zh-CN" altLang="en-US"/>
           </a:p>
@@ -2401,7 +2487,7 @@
             <a:fld id="{530820CF-B880-4189-942D-D702A7CBA730}" type="datetimeFigureOut">
               <a:rPr lang="zh-CN" altLang="en-US" smtClean="0"/>
               <a:pPr/>
-              <a:t>2018/3/20</a:t>
+              <a:t>2018/3/21</a:t>
             </a:fld>
             <a:endParaRPr lang="zh-CN" altLang="en-US"/>
           </a:p>
@@ -2578,7 +2664,7 @@
             <a:fld id="{530820CF-B880-4189-942D-D702A7CBA730}" type="datetimeFigureOut">
               <a:rPr lang="zh-CN" altLang="en-US" smtClean="0"/>
               <a:pPr/>
-              <a:t>2018/3/20</a:t>
+              <a:t>2018/3/21</a:t>
             </a:fld>
             <a:endParaRPr lang="zh-CN" altLang="en-US"/>
           </a:p>
@@ -2693,7 +2779,7 @@
             <a:fld id="{530820CF-B880-4189-942D-D702A7CBA730}" type="datetimeFigureOut">
               <a:rPr lang="zh-CN" altLang="en-US" smtClean="0"/>
               <a:pPr/>
-              <a:t>2018/3/20</a:t>
+              <a:t>2018/3/21</a:t>
             </a:fld>
             <a:endParaRPr lang="zh-CN" altLang="en-US"/>
           </a:p>
@@ -3053,7 +3139,7 @@
             <a:fld id="{530820CF-B880-4189-942D-D702A7CBA730}" type="datetimeFigureOut">
               <a:rPr lang="zh-CN" altLang="en-US" smtClean="0"/>
               <a:pPr/>
-              <a:t>2018/3/20</a:t>
+              <a:t>2018/3/21</a:t>
             </a:fld>
             <a:endParaRPr lang="zh-CN" altLang="en-US"/>
           </a:p>
@@ -3320,7 +3406,7 @@
             <a:fld id="{530820CF-B880-4189-942D-D702A7CBA730}" type="datetimeFigureOut">
               <a:rPr lang="zh-CN" altLang="en-US" smtClean="0"/>
               <a:pPr/>
-              <a:t>2018/3/20</a:t>
+              <a:t>2018/3/21</a:t>
             </a:fld>
             <a:endParaRPr lang="zh-CN" altLang="en-US"/>
           </a:p>
@@ -3684,7 +3770,7 @@
             <a:fld id="{530820CF-B880-4189-942D-D702A7CBA730}" type="datetimeFigureOut">
               <a:rPr lang="zh-CN" altLang="en-US" smtClean="0"/>
               <a:pPr/>
-              <a:t>2018/3/20</a:t>
+              <a:t>2018/3/21</a:t>
             </a:fld>
             <a:endParaRPr lang="zh-CN" altLang="en-US"/>
           </a:p>
@@ -3913,7 +3999,7 @@
             <a:fld id="{530820CF-B880-4189-942D-D702A7CBA730}" type="datetimeFigureOut">
               <a:rPr lang="zh-CN" altLang="en-US" smtClean="0"/>
               <a:pPr/>
-              <a:t>2018/3/20</a:t>
+              <a:t>2018/3/21</a:t>
             </a:fld>
             <a:endParaRPr lang="zh-CN" altLang="en-US"/>
           </a:p>
@@ -4005,7 +4091,7 @@
             <a:fld id="{530820CF-B880-4189-942D-D702A7CBA730}" type="datetimeFigureOut">
               <a:rPr lang="zh-CN" altLang="en-US" smtClean="0"/>
               <a:pPr/>
-              <a:t>2018/3/20</a:t>
+              <a:t>2018/3/21</a:t>
             </a:fld>
             <a:endParaRPr lang="zh-CN" altLang="en-US"/>
           </a:p>
@@ -4274,7 +4360,7 @@
             <a:fld id="{530820CF-B880-4189-942D-D702A7CBA730}" type="datetimeFigureOut">
               <a:rPr lang="zh-CN" altLang="en-US" smtClean="0"/>
               <a:pPr/>
-              <a:t>2018/3/20</a:t>
+              <a:t>2018/3/21</a:t>
             </a:fld>
             <a:endParaRPr lang="zh-CN" altLang="en-US"/>
           </a:p>
@@ -4504,7 +4590,7 @@
             <a:fld id="{530820CF-B880-4189-942D-D702A7CBA730}" type="datetimeFigureOut">
               <a:rPr lang="zh-CN" altLang="en-US" smtClean="0"/>
               <a:pPr/>
-              <a:t>2018/3/20</a:t>
+              <a:t>2018/3/21</a:t>
             </a:fld>
             <a:endParaRPr lang="zh-CN" altLang="en-US"/>
           </a:p>
@@ -5005,7 +5091,7 @@
             <a:fld id="{530820CF-B880-4189-942D-D702A7CBA730}" type="datetimeFigureOut">
               <a:rPr lang="zh-CN" altLang="en-US" smtClean="0"/>
               <a:pPr/>
-              <a:t>2018/3/20</a:t>
+              <a:t>2018/3/21</a:t>
             </a:fld>
             <a:endParaRPr lang="zh-CN" altLang="en-US"/>
           </a:p>
@@ -5738,11 +5824,7 @@
             <a:pPr marL="342900" indent="-342900"/>
             <a:r>
               <a:rPr lang="en-US" altLang="zh-CN" sz="1800" dirty="0" smtClean="0"/>
-              <a:t> </a:t>
-            </a:r>
-            <a:r>
-              <a:rPr lang="en-US" altLang="zh-CN" sz="1800" dirty="0" smtClean="0"/>
-              <a:t>                       </a:t>
+              <a:t>                        </a:t>
             </a:r>
             <a:r>
               <a:rPr lang="zh-CN" altLang="en-US" sz="1800" dirty="0" smtClean="0"/>
@@ -6352,15 +6434,110 @@
             <p:ph sz="quarter" idx="1"/>
           </p:nvPr>
         </p:nvSpPr>
-        <p:spPr/>
-        <p:txBody>
-          <a:bodyPr/>
-          <a:lstStyle/>
-          <a:p>
-            <a:endParaRPr lang="zh-CN" altLang="en-US" dirty="0"/>
-          </a:p>
-        </p:txBody>
-      </p:sp>
+        <p:spPr>
+          <a:xfrm>
+            <a:off x="357158" y="1000108"/>
+            <a:ext cx="8329642" cy="3429024"/>
+          </a:xfrm>
+        </p:spPr>
+        <p:txBody>
+          <a:bodyPr>
+            <a:normAutofit/>
+          </a:bodyPr>
+          <a:lstStyle/>
+          <a:p>
+            <a:r>
+              <a:rPr lang="zh-CN" altLang="en-US" sz="1800" dirty="0" smtClean="0"/>
+              <a:t>非功能性需求代表了系统级约束。</a:t>
+            </a:r>
+            <a:endParaRPr lang="en-US" altLang="zh-CN" sz="1800" dirty="0" smtClean="0"/>
+          </a:p>
+          <a:p>
+            <a:r>
+              <a:rPr lang="zh-CN" altLang="en-US" sz="1800" dirty="0" smtClean="0"/>
+              <a:t>作为系统级约束，非功能性需求很重要，因为它们会影响产品列表中绝大部分或全部故事的设计和测试。例如，任何网站项目都会有“网络浏览器支持”这一非功能性需求。在团队开发网站特性的时候，它必须确保网站特性在所有指定浏览器上都能正常工作。团队还必须决定什么时间测试所有浏览器。所有非功能性需求都是团队应该纳入完成定义的主要目标。如果团队的完成定义包含“网络浏览器”这个非功能性需求，那么团队在冲刺中开发任何新特性都得用列出的所有浏览器逐一测过。如果不是在所有浏览器下都能正常工作，就说明它没有完成。</a:t>
+            </a:r>
+            <a:endParaRPr lang="en-US" altLang="zh-CN" sz="1800" dirty="0" smtClean="0"/>
+          </a:p>
+          <a:p>
+            <a:r>
+              <a:rPr lang="zh-CN" altLang="en-US" sz="1800" dirty="0" smtClean="0"/>
+              <a:t>推荐尝试尽可能把非功能性需求纳入完成定义。如果一直到开发工作后期才开始测试非功能性需求，就会延误获取系统性能关键特征的快速反馈的最佳时机。</a:t>
+            </a:r>
+            <a:endParaRPr lang="zh-CN" altLang="en-US" sz="1800" dirty="0"/>
+          </a:p>
+        </p:txBody>
+      </p:sp>
+      <p:pic>
+        <p:nvPicPr>
+          <p:cNvPr id="1027" name="Picture 3"/>
+          <p:cNvPicPr>
+            <a:picLocks noChangeAspect="1" noChangeArrowheads="1"/>
+          </p:cNvPicPr>
+          <p:nvPr/>
+        </p:nvPicPr>
+        <p:blipFill>
+          <a:blip r:embed="rId2"/>
+          <a:srcRect/>
+          <a:stretch>
+            <a:fillRect/>
+          </a:stretch>
+        </p:blipFill>
+        <p:spPr bwMode="auto">
+          <a:xfrm>
+            <a:off x="1500166" y="4500570"/>
+            <a:ext cx="3190875" cy="1971675"/>
+          </a:xfrm>
+          <a:prstGeom prst="rect">
+            <a:avLst/>
+          </a:prstGeom>
+          <a:noFill/>
+          <a:ln w="9525">
+            <a:solidFill>
+              <a:schemeClr val="tx1"/>
+            </a:solidFill>
+            <a:miter lim="800000"/>
+            <a:headEnd/>
+            <a:tailEnd/>
+          </a:ln>
+          <a:effectLst/>
+        </p:spPr>
+      </p:pic>
+      <p:pic>
+        <p:nvPicPr>
+          <p:cNvPr id="1028" name="Picture 4"/>
+          <p:cNvPicPr>
+            <a:picLocks noChangeAspect="1" noChangeArrowheads="1"/>
+          </p:cNvPicPr>
+          <p:nvPr/>
+        </p:nvPicPr>
+        <p:blipFill>
+          <a:blip r:embed="rId3"/>
+          <a:srcRect/>
+          <a:stretch>
+            <a:fillRect/>
+          </a:stretch>
+        </p:blipFill>
+        <p:spPr bwMode="auto">
+          <a:xfrm>
+            <a:off x="5000628" y="4500570"/>
+            <a:ext cx="3190875" cy="1971675"/>
+          </a:xfrm>
+          <a:prstGeom prst="rect">
+            <a:avLst/>
+          </a:prstGeom>
+          <a:noFill/>
+          <a:ln w="9525">
+            <a:solidFill>
+              <a:schemeClr val="tx1"/>
+            </a:solidFill>
+            <a:miter lim="800000"/>
+            <a:headEnd/>
+            <a:tailEnd/>
+          </a:ln>
+          <a:effectLst/>
+        </p:spPr>
+      </p:pic>
     </p:spTree>
   </p:cSld>
   <p:clrMapOvr>
@@ -6428,15 +6605,122 @@
             <p:ph sz="quarter" idx="1"/>
           </p:nvPr>
         </p:nvSpPr>
-        <p:spPr/>
-        <p:txBody>
-          <a:bodyPr/>
-          <a:lstStyle/>
-          <a:p>
-            <a:endParaRPr lang="zh-CN" altLang="en-US"/>
-          </a:p>
-        </p:txBody>
-      </p:sp>
+        <p:spPr>
+          <a:xfrm>
+            <a:off x="357158" y="1142984"/>
+            <a:ext cx="8329642" cy="3214710"/>
+          </a:xfrm>
+        </p:spPr>
+        <p:txBody>
+          <a:bodyPr>
+            <a:normAutofit/>
+          </a:bodyPr>
+          <a:lstStyle/>
+          <a:p>
+            <a:r>
+              <a:rPr lang="zh-CN" altLang="en-US" sz="1800" dirty="0" smtClean="0"/>
+              <a:t>或许会因为缺乏足够的产品或产品构建流程相关知识而驻足不前。因此，我们需要探索。这种探索有许多名字：原型、概念验证、试验、学习</a:t>
+            </a:r>
+            <a:r>
+              <a:rPr lang="zh-CN" altLang="en-US" sz="1800" dirty="0" smtClean="0"/>
+              <a:t>、探针，等等。它们基本上都是包含获取信息在内的探索活动。</a:t>
+            </a:r>
+            <a:endParaRPr lang="en-US" altLang="zh-CN" sz="1800" dirty="0" smtClean="0"/>
+          </a:p>
+          <a:p>
+            <a:r>
+              <a:rPr lang="zh-CN" altLang="en-US" sz="1800" dirty="0" smtClean="0"/>
+              <a:t>经常把用户故事用作探索工作的占位符。</a:t>
+            </a:r>
+            <a:endParaRPr lang="en-US" altLang="zh-CN" sz="1800" dirty="0" smtClean="0"/>
+          </a:p>
+          <a:p>
+            <a:r>
+              <a:rPr lang="zh-CN" altLang="en-US" sz="1800" dirty="0" smtClean="0"/>
+              <a:t>下面的示例，这个特殊的知识获取型故事看起来就是一个技术故事，正如之前说过的，任何技术故事的业务价值都必须能向产品负责人清楚说明。产品负责人是从经济角度进行思考的，因此也需要有一个与经济相关的理由来论证原型工作。团队很可能从技术角度论证某个知识获取型故事应该做，因为团队通常都因为缺乏相关知识而停滞不前。</a:t>
+            </a:r>
+            <a:r>
+              <a:rPr lang="en-US" altLang="zh-CN" sz="1800" dirty="0" smtClean="0"/>
+              <a:t>Scrum</a:t>
+            </a:r>
+            <a:r>
+              <a:rPr lang="zh-CN" altLang="en-US" sz="1800" dirty="0" smtClean="0"/>
+              <a:t>团队则需要考虑，信息的价值是否值得我们付出精力和时间。</a:t>
+            </a:r>
+            <a:endParaRPr lang="zh-CN" altLang="en-US" sz="1800" dirty="0"/>
+          </a:p>
+        </p:txBody>
+      </p:sp>
+      <p:pic>
+        <p:nvPicPr>
+          <p:cNvPr id="2050" name="Picture 2"/>
+          <p:cNvPicPr>
+            <a:picLocks noChangeAspect="1" noChangeArrowheads="1"/>
+          </p:cNvPicPr>
+          <p:nvPr/>
+        </p:nvPicPr>
+        <p:blipFill>
+          <a:blip r:embed="rId3"/>
+          <a:srcRect/>
+          <a:stretch>
+            <a:fillRect/>
+          </a:stretch>
+        </p:blipFill>
+        <p:spPr bwMode="auto">
+          <a:xfrm>
+            <a:off x="1214414" y="4357694"/>
+            <a:ext cx="3190875" cy="1971675"/>
+          </a:xfrm>
+          <a:prstGeom prst="rect">
+            <a:avLst/>
+          </a:prstGeom>
+          <a:noFill/>
+          <a:ln w="9525">
+            <a:solidFill>
+              <a:schemeClr val="tx1"/>
+            </a:solidFill>
+            <a:miter lim="800000"/>
+            <a:headEnd/>
+            <a:tailEnd/>
+          </a:ln>
+          <a:effectLst/>
+        </p:spPr>
+      </p:pic>
+      <p:pic>
+        <p:nvPicPr>
+          <p:cNvPr id="2051" name="Picture 3"/>
+          <p:cNvPicPr>
+            <a:picLocks noChangeAspect="1" noChangeArrowheads="1"/>
+          </p:cNvPicPr>
+          <p:nvPr/>
+        </p:nvPicPr>
+        <p:blipFill>
+          <a:blip r:embed="rId4"/>
+          <a:srcRect/>
+          <a:stretch>
+            <a:fillRect/>
+          </a:stretch>
+        </p:blipFill>
+        <p:spPr bwMode="auto">
+          <a:xfrm>
+            <a:off x="4643438" y="4357694"/>
+            <a:ext cx="3190875" cy="1971675"/>
+          </a:xfrm>
+          <a:prstGeom prst="rect">
+            <a:avLst/>
+          </a:prstGeom>
+          <a:noFill/>
+          <a:ln w="9525">
+            <a:solidFill>
+              <a:schemeClr val="tx1"/>
+            </a:solidFill>
+            <a:miter lim="800000"/>
+            <a:headEnd/>
+            <a:tailEnd/>
+          </a:ln>
+          <a:effectLst/>
+        </p:spPr>
+      </p:pic>
     </p:spTree>
   </p:cSld>
   <p:clrMapOvr>
